--- a/APSSDC_Final_Project.pptx
+++ b/APSSDC_Final_Project.pptx
@@ -17,7 +17,8 @@
     <p:sldId id="264" r:id="rId11"/>
     <p:sldId id="265" r:id="rId12"/>
     <p:sldId id="268" r:id="rId13"/>
-    <p:sldId id="269" r:id="rId14"/>
+    <p:sldId id="270" r:id="rId14"/>
+    <p:sldId id="269" r:id="rId15"/>
   </p:sldIdLst>
   <p:sldSz cx="12192000" cy="6858000"/>
   <p:notesSz cx="12192000" cy="6858000"/>
@@ -2165,6 +2166,10 @@
           </p:nvPr>
         </p:nvSpPr>
         <p:spPr>
+          <a:xfrm>
+            <a:off x="3124200" y="1770219"/>
+            <a:ext cx="6558026" cy="1001556"/>
+          </a:xfrm>
           <a:prstGeom prst="rect">
             <a:avLst/>
           </a:prstGeom>
@@ -2186,6 +2191,13 @@
             <a:r>
               <a:rPr lang="en-GB" spc="15" dirty="0"/>
               <a:t>K.S.V Aravind</a:t>
+            </a:r>
+            <a:br>
+              <a:rPr lang="en-GB" spc="15" dirty="0"/>
+            </a:br>
+            <a:r>
+              <a:rPr lang="en-GB" spc="15" dirty="0"/>
+              <a:t>KLID: 2200030515</a:t>
             </a:r>
             <a:endParaRPr spc="15" dirty="0"/>
           </a:p>
@@ -4172,6 +4184,157 @@
 </file>
 
 <file path=ppt/slides/slide13.xml><?xml version="1.0" encoding="utf-8"?>
+<p:sld xmlns:a="http://schemas.openxmlformats.org/drawingml/2006/main" xmlns:r="http://schemas.openxmlformats.org/officeDocument/2006/relationships" xmlns:p="http://schemas.openxmlformats.org/presentationml/2006/main">
+  <p:cSld>
+    <p:spTree>
+      <p:nvGrpSpPr>
+        <p:cNvPr id="1" name=""/>
+        <p:cNvGrpSpPr/>
+        <p:nvPr/>
+      </p:nvGrpSpPr>
+      <p:grpSpPr>
+        <a:xfrm>
+          <a:off x="0" y="0"/>
+          <a:ext cx="0" cy="0"/>
+          <a:chOff x="0" y="0"/>
+          <a:chExt cx="0" cy="0"/>
+        </a:xfrm>
+      </p:grpSpPr>
+      <p:sp>
+        <p:nvSpPr>
+          <p:cNvPr id="2" name="Title 1">
+            <a:extLst>
+              <a:ext uri="{FF2B5EF4-FFF2-40B4-BE49-F238E27FC236}">
+                <a16:creationId xmlns:a16="http://schemas.microsoft.com/office/drawing/2014/main" id="{F9924D12-F8B4-42B5-89A0-D6CE30FAB87A}"/>
+              </a:ext>
+            </a:extLst>
+          </p:cNvPr>
+          <p:cNvSpPr>
+            <a:spLocks noGrp="1"/>
+          </p:cNvSpPr>
+          <p:nvPr>
+            <p:ph type="title"/>
+          </p:nvPr>
+        </p:nvSpPr>
+        <p:spPr/>
+        <p:txBody>
+          <a:bodyPr/>
+          <a:lstStyle/>
+          <a:p>
+            <a:r>
+              <a:rPr lang="en-IN" dirty="0"/>
+              <a:t>GitHub Link</a:t>
+            </a:r>
+          </a:p>
+        </p:txBody>
+      </p:sp>
+      <p:pic>
+        <p:nvPicPr>
+          <p:cNvPr id="3" name="Picture 2">
+            <a:extLst>
+              <a:ext uri="{FF2B5EF4-FFF2-40B4-BE49-F238E27FC236}">
+                <a16:creationId xmlns:a16="http://schemas.microsoft.com/office/drawing/2014/main" id="{1E33DD87-A0C3-4187-BD0B-C6E1B188C552}"/>
+              </a:ext>
+            </a:extLst>
+          </p:cNvPr>
+          <p:cNvPicPr>
+            <a:picLocks noChangeAspect="1"/>
+          </p:cNvPicPr>
+          <p:nvPr/>
+        </p:nvPicPr>
+        <p:blipFill>
+          <a:blip r:embed="rId2"/>
+          <a:stretch>
+            <a:fillRect/>
+          </a:stretch>
+        </p:blipFill>
+        <p:spPr>
+          <a:xfrm>
+            <a:off x="533400" y="1981200"/>
+            <a:ext cx="8839200" cy="4251944"/>
+          </a:xfrm>
+          <a:prstGeom prst="rect">
+            <a:avLst/>
+          </a:prstGeom>
+        </p:spPr>
+      </p:pic>
+      <p:sp>
+        <p:nvSpPr>
+          <p:cNvPr id="4" name="TextBox 3">
+            <a:extLst>
+              <a:ext uri="{FF2B5EF4-FFF2-40B4-BE49-F238E27FC236}">
+                <a16:creationId xmlns:a16="http://schemas.microsoft.com/office/drawing/2014/main" id="{B046340C-269D-4857-BAE2-647C8342F67B}"/>
+              </a:ext>
+            </a:extLst>
+          </p:cNvPr>
+          <p:cNvSpPr txBox="1"/>
+          <p:nvPr/>
+        </p:nvSpPr>
+        <p:spPr>
+          <a:xfrm>
+            <a:off x="990600" y="1143634"/>
+            <a:ext cx="7772400" cy="646331"/>
+          </a:xfrm>
+          <a:prstGeom prst="rect">
+            <a:avLst/>
+          </a:prstGeom>
+          <a:noFill/>
+        </p:spPr>
+        <p:txBody>
+          <a:bodyPr wrap="square" rtlCol="0">
+            <a:spAutoFit/>
+          </a:bodyPr>
+          <a:lstStyle/>
+          <a:p>
+            <a:r>
+              <a:rPr lang="en-IN" dirty="0" err="1"/>
+              <a:t>Github</a:t>
+            </a:r>
+            <a:r>
+              <a:rPr lang="en-IN" dirty="0"/>
+              <a:t> Link:         </a:t>
+            </a:r>
+            <a:r>
+              <a:rPr lang="en-IN" dirty="0">
+                <a:hlinkClick r:id="rId3"/>
+              </a:rPr>
+              <a:t>https://github.com/VenkatAravind123/Aravind</a:t>
+            </a:r>
+            <a:r>
+              <a:rPr lang="en-IN">
+                <a:hlinkClick r:id="rId3"/>
+              </a:rPr>
+              <a:t>_Project</a:t>
+            </a:r>
+            <a:br>
+              <a:rPr lang="en-IN"/>
+            </a:br>
+            <a:r>
+              <a:rPr lang="en-IN"/>
+              <a:t>KL ID NO:  220003051</a:t>
+            </a:r>
+            <a:r>
+              <a:rPr lang="en-IN" dirty="0"/>
+              <a:t>5</a:t>
+            </a:r>
+            <a:endParaRPr lang="en-IN"/>
+          </a:p>
+        </p:txBody>
+      </p:sp>
+    </p:spTree>
+    <p:extLst>
+      <p:ext uri="{BB962C8B-B14F-4D97-AF65-F5344CB8AC3E}">
+        <p14:creationId xmlns:p14="http://schemas.microsoft.com/office/powerpoint/2010/main" val="2317748202"/>
+      </p:ext>
+    </p:extLst>
+  </p:cSld>
+  <p:clrMapOvr>
+    <a:masterClrMapping/>
+  </p:clrMapOvr>
+</p:sld>
+</file>
+
+<file path=ppt/slides/slide14.xml><?xml version="1.0" encoding="utf-8"?>
 <p:sld xmlns:a="http://schemas.openxmlformats.org/drawingml/2006/main" xmlns:r="http://schemas.openxmlformats.org/officeDocument/2006/relationships" xmlns:p="http://schemas.openxmlformats.org/presentationml/2006/main">
   <p:cSld>
     <p:spTree>
